--- a/doku/40_Projektumsetzung/Zustandsfolge.pptx
+++ b/doku/40_Projektumsetzung/Zustandsfolge.pptx
@@ -104,6 +104,11 @@
       </a:defRPr>
     </a:lvl9pPr>
   </p:defaultTextStyle>
+  <p:extLst>
+    <p:ext uri="{EFAFB233-063F-42B5-8137-9DF3F51BA10A}">
+      <p15:sldGuideLst xmlns:p15="http://schemas.microsoft.com/office/powerpoint/2012/main"/>
+    </p:ext>
+  </p:extLst>
 </p:presentation>
 </file>
 
@@ -152,7 +157,6 @@
               <a:rPr lang="de-DE"/>
               <a:t>Titelmasterformat durch Klicken bearbeiten</a:t>
             </a:r>
-            <a:endParaRPr lang="de-DE"/>
           </a:p>
         </p:txBody>
       </p:sp>
@@ -217,7 +221,6 @@
               <a:rPr lang="de-DE"/>
               <a:t>Formatvorlage des Untertitelmasters durch Klicken bearbeiten</a:t>
             </a:r>
-            <a:endParaRPr lang="de-DE"/>
           </a:p>
         </p:txBody>
       </p:sp>
@@ -238,7 +241,7 @@
           <a:p>
             <a:fld id="{B8ABFC57-6653-4742-A6F7-003A0156E44A}" type="datetimeFigureOut">
               <a:rPr lang="de-DE" smtClean="0"/>
-              <a:t>24.05.2017</a:t>
+              <a:t>28.05.2017</a:t>
             </a:fld>
             <a:endParaRPr lang="de-DE"/>
           </a:p>
@@ -335,7 +338,6 @@
               <a:rPr lang="de-DE"/>
               <a:t>Titelmasterformat durch Klicken bearbeiten</a:t>
             </a:r>
-            <a:endParaRPr lang="de-DE"/>
           </a:p>
         </p:txBody>
       </p:sp>
@@ -387,7 +389,6 @@
               <a:rPr lang="de-DE"/>
               <a:t>Fünfte Ebene</a:t>
             </a:r>
-            <a:endParaRPr lang="de-DE"/>
           </a:p>
         </p:txBody>
       </p:sp>
@@ -408,7 +409,7 @@
           <a:p>
             <a:fld id="{B8ABFC57-6653-4742-A6F7-003A0156E44A}" type="datetimeFigureOut">
               <a:rPr lang="de-DE" smtClean="0"/>
-              <a:t>24.05.2017</a:t>
+              <a:t>28.05.2017</a:t>
             </a:fld>
             <a:endParaRPr lang="de-DE"/>
           </a:p>
@@ -510,7 +511,6 @@
               <a:rPr lang="de-DE"/>
               <a:t>Titelmasterformat durch Klicken bearbeiten</a:t>
             </a:r>
-            <a:endParaRPr lang="de-DE"/>
           </a:p>
         </p:txBody>
       </p:sp>
@@ -567,7 +567,6 @@
               <a:rPr lang="de-DE"/>
               <a:t>Fünfte Ebene</a:t>
             </a:r>
-            <a:endParaRPr lang="de-DE"/>
           </a:p>
         </p:txBody>
       </p:sp>
@@ -588,7 +587,7 @@
           <a:p>
             <a:fld id="{B8ABFC57-6653-4742-A6F7-003A0156E44A}" type="datetimeFigureOut">
               <a:rPr lang="de-DE" smtClean="0"/>
-              <a:t>24.05.2017</a:t>
+              <a:t>28.05.2017</a:t>
             </a:fld>
             <a:endParaRPr lang="de-DE"/>
           </a:p>
@@ -685,7 +684,6 @@
               <a:rPr lang="de-DE"/>
               <a:t>Titelmasterformat durch Klicken bearbeiten</a:t>
             </a:r>
-            <a:endParaRPr lang="de-DE"/>
           </a:p>
         </p:txBody>
       </p:sp>
@@ -737,7 +735,6 @@
               <a:rPr lang="de-DE"/>
               <a:t>Fünfte Ebene</a:t>
             </a:r>
-            <a:endParaRPr lang="de-DE"/>
           </a:p>
         </p:txBody>
       </p:sp>
@@ -758,7 +755,7 @@
           <a:p>
             <a:fld id="{B8ABFC57-6653-4742-A6F7-003A0156E44A}" type="datetimeFigureOut">
               <a:rPr lang="de-DE" smtClean="0"/>
-              <a:t>24.05.2017</a:t>
+              <a:t>28.05.2017</a:t>
             </a:fld>
             <a:endParaRPr lang="de-DE"/>
           </a:p>
@@ -864,7 +861,6 @@
               <a:rPr lang="de-DE"/>
               <a:t>Titelmasterformat durch Klicken bearbeiten</a:t>
             </a:r>
-            <a:endParaRPr lang="de-DE"/>
           </a:p>
         </p:txBody>
       </p:sp>
@@ -1004,7 +1000,7 @@
           <a:p>
             <a:fld id="{B8ABFC57-6653-4742-A6F7-003A0156E44A}" type="datetimeFigureOut">
               <a:rPr lang="de-DE" smtClean="0"/>
-              <a:t>24.05.2017</a:t>
+              <a:t>28.05.2017</a:t>
             </a:fld>
             <a:endParaRPr lang="de-DE"/>
           </a:p>
@@ -1101,7 +1097,6 @@
               <a:rPr lang="de-DE"/>
               <a:t>Titelmasterformat durch Klicken bearbeiten</a:t>
             </a:r>
-            <a:endParaRPr lang="de-DE"/>
           </a:p>
         </p:txBody>
       </p:sp>
@@ -1158,7 +1153,6 @@
               <a:rPr lang="de-DE"/>
               <a:t>Fünfte Ebene</a:t>
             </a:r>
-            <a:endParaRPr lang="de-DE"/>
           </a:p>
         </p:txBody>
       </p:sp>
@@ -1215,7 +1209,6 @@
               <a:rPr lang="de-DE"/>
               <a:t>Fünfte Ebene</a:t>
             </a:r>
-            <a:endParaRPr lang="de-DE"/>
           </a:p>
         </p:txBody>
       </p:sp>
@@ -1236,7 +1229,7 @@
           <a:p>
             <a:fld id="{B8ABFC57-6653-4742-A6F7-003A0156E44A}" type="datetimeFigureOut">
               <a:rPr lang="de-DE" smtClean="0"/>
-              <a:t>24.05.2017</a:t>
+              <a:t>28.05.2017</a:t>
             </a:fld>
             <a:endParaRPr lang="de-DE"/>
           </a:p>
@@ -1338,7 +1331,6 @@
               <a:rPr lang="de-DE"/>
               <a:t>Titelmasterformat durch Klicken bearbeiten</a:t>
             </a:r>
-            <a:endParaRPr lang="de-DE"/>
           </a:p>
         </p:txBody>
       </p:sp>
@@ -1460,7 +1452,6 @@
               <a:rPr lang="de-DE"/>
               <a:t>Fünfte Ebene</a:t>
             </a:r>
-            <a:endParaRPr lang="de-DE"/>
           </a:p>
         </p:txBody>
       </p:sp>
@@ -1582,7 +1573,6 @@
               <a:rPr lang="de-DE"/>
               <a:t>Fünfte Ebene</a:t>
             </a:r>
-            <a:endParaRPr lang="de-DE"/>
           </a:p>
         </p:txBody>
       </p:sp>
@@ -1603,7 +1593,7 @@
           <a:p>
             <a:fld id="{B8ABFC57-6653-4742-A6F7-003A0156E44A}" type="datetimeFigureOut">
               <a:rPr lang="de-DE" smtClean="0"/>
-              <a:t>24.05.2017</a:t>
+              <a:t>28.05.2017</a:t>
             </a:fld>
             <a:endParaRPr lang="de-DE"/>
           </a:p>
@@ -1700,7 +1690,6 @@
               <a:rPr lang="de-DE"/>
               <a:t>Titelmasterformat durch Klicken bearbeiten</a:t>
             </a:r>
-            <a:endParaRPr lang="de-DE"/>
           </a:p>
         </p:txBody>
       </p:sp>
@@ -1721,7 +1710,7 @@
           <a:p>
             <a:fld id="{B8ABFC57-6653-4742-A6F7-003A0156E44A}" type="datetimeFigureOut">
               <a:rPr lang="de-DE" smtClean="0"/>
-              <a:t>24.05.2017</a:t>
+              <a:t>28.05.2017</a:t>
             </a:fld>
             <a:endParaRPr lang="de-DE"/>
           </a:p>
@@ -1816,7 +1805,7 @@
           <a:p>
             <a:fld id="{B8ABFC57-6653-4742-A6F7-003A0156E44A}" type="datetimeFigureOut">
               <a:rPr lang="de-DE" smtClean="0"/>
-              <a:t>24.05.2017</a:t>
+              <a:t>28.05.2017</a:t>
             </a:fld>
             <a:endParaRPr lang="de-DE"/>
           </a:p>
@@ -1922,7 +1911,6 @@
               <a:rPr lang="de-DE"/>
               <a:t>Titelmasterformat durch Klicken bearbeiten</a:t>
             </a:r>
-            <a:endParaRPr lang="de-DE"/>
           </a:p>
         </p:txBody>
       </p:sp>
@@ -2007,7 +1995,6 @@
               <a:rPr lang="de-DE"/>
               <a:t>Fünfte Ebene</a:t>
             </a:r>
-            <a:endParaRPr lang="de-DE"/>
           </a:p>
         </p:txBody>
       </p:sp>
@@ -2093,7 +2080,7 @@
           <a:p>
             <a:fld id="{B8ABFC57-6653-4742-A6F7-003A0156E44A}" type="datetimeFigureOut">
               <a:rPr lang="de-DE" smtClean="0"/>
-              <a:t>24.05.2017</a:t>
+              <a:t>28.05.2017</a:t>
             </a:fld>
             <a:endParaRPr lang="de-DE"/>
           </a:p>
@@ -2199,7 +2186,6 @@
               <a:rPr lang="de-DE"/>
               <a:t>Titelmasterformat durch Klicken bearbeiten</a:t>
             </a:r>
-            <a:endParaRPr lang="de-DE"/>
           </a:p>
         </p:txBody>
       </p:sp>
@@ -2346,7 +2332,7 @@
           <a:p>
             <a:fld id="{B8ABFC57-6653-4742-A6F7-003A0156E44A}" type="datetimeFigureOut">
               <a:rPr lang="de-DE" smtClean="0"/>
-              <a:t>24.05.2017</a:t>
+              <a:t>28.05.2017</a:t>
             </a:fld>
             <a:endParaRPr lang="de-DE"/>
           </a:p>
@@ -2458,7 +2444,6 @@
               <a:rPr lang="de-DE"/>
               <a:t>Titelmasterformat durch Klicken bearbeiten</a:t>
             </a:r>
-            <a:endParaRPr lang="de-DE"/>
           </a:p>
         </p:txBody>
       </p:sp>
@@ -2520,7 +2505,6 @@
               <a:rPr lang="de-DE"/>
               <a:t>Fünfte Ebene</a:t>
             </a:r>
-            <a:endParaRPr lang="de-DE"/>
           </a:p>
         </p:txBody>
       </p:sp>
@@ -2559,7 +2543,7 @@
           <a:p>
             <a:fld id="{B8ABFC57-6653-4742-A6F7-003A0156E44A}" type="datetimeFigureOut">
               <a:rPr lang="de-DE" smtClean="0"/>
-              <a:t>24.05.2017</a:t>
+              <a:t>28.05.2017</a:t>
             </a:fld>
             <a:endParaRPr lang="de-DE"/>
           </a:p>
@@ -2972,7 +2956,7 @@
         </p:nvSpPr>
         <p:spPr>
           <a:xfrm>
-            <a:off x="1036732" y="881190"/>
+            <a:off x="8762990" y="940611"/>
             <a:ext cx="1342240" cy="562061"/>
           </a:xfrm>
           <a:prstGeom prst="roundRect">
@@ -3018,7 +3002,7 @@
         </p:nvSpPr>
         <p:spPr>
           <a:xfrm>
-            <a:off x="113249" y="151001"/>
+            <a:off x="124432" y="93335"/>
             <a:ext cx="578841" cy="545284"/>
           </a:xfrm>
           <a:prstGeom prst="ellipse">
@@ -3061,7 +3045,7 @@
         </p:nvSpPr>
         <p:spPr>
           <a:xfrm>
-            <a:off x="2583804" y="881190"/>
+            <a:off x="10310062" y="940611"/>
             <a:ext cx="1445704" cy="562062"/>
           </a:xfrm>
           <a:prstGeom prst="roundRect">
@@ -3107,7 +3091,7 @@
         </p:nvSpPr>
         <p:spPr>
           <a:xfrm>
-            <a:off x="640357" y="143659"/>
+            <a:off x="8284121" y="146631"/>
             <a:ext cx="3658996" cy="1862357"/>
           </a:xfrm>
           <a:prstGeom prst="ellipse">
@@ -3167,7 +3151,7 @@
         </p:nvSpPr>
         <p:spPr>
           <a:xfrm>
-            <a:off x="4453850" y="139821"/>
+            <a:off x="4378872" y="146631"/>
             <a:ext cx="3758268" cy="1862357"/>
           </a:xfrm>
           <a:prstGeom prst="ellipse">
@@ -3209,13 +3193,8 @@
             </a:r>
             <a:r>
               <a:rPr lang="de-DE" sz="1400" dirty="0"/>
-              <a:t>: </a:t>
-            </a:r>
-            <a:r>
-              <a:rPr lang="de-DE" sz="1400" dirty="0"/>
-              <a:t>Messbereich</a:t>
-            </a:r>
-            <a:endParaRPr lang="de-DE" sz="1400" dirty="0"/>
+              <a:t>: Messbereich</a:t>
+            </a:r>
           </a:p>
         </p:txBody>
       </p:sp>
@@ -3369,13 +3348,8 @@
             </a:r>
             <a:r>
               <a:rPr lang="de-DE" sz="1400" dirty="0"/>
-              <a:t>: </a:t>
-            </a:r>
-            <a:r>
-              <a:rPr lang="de-DE" sz="1400" dirty="0"/>
-              <a:t>Messung Neu und Kommutierungskurve</a:t>
-            </a:r>
-            <a:endParaRPr lang="de-DE" sz="1400" dirty="0"/>
+              <a:t>: Messung Neu und Kommutierungskurve</a:t>
+            </a:r>
           </a:p>
         </p:txBody>
       </p:sp>
@@ -3445,105 +3419,13 @@
       </p:sp>
       <p:sp>
         <p:nvSpPr>
-          <p:cNvPr id="28" name="Ellipse 27"/>
-          <p:cNvSpPr/>
-          <p:nvPr/>
-        </p:nvSpPr>
-        <p:spPr>
-          <a:xfrm>
-            <a:off x="6234417" y="2262932"/>
-            <a:ext cx="659935" cy="342551"/>
-          </a:xfrm>
-          <a:prstGeom prst="ellipse">
-            <a:avLst/>
-          </a:prstGeom>
-        </p:spPr>
-        <p:style>
-          <a:lnRef idx="1">
-            <a:schemeClr val="dk1"/>
-          </a:lnRef>
-          <a:fillRef idx="2">
-            <a:schemeClr val="dk1"/>
-          </a:fillRef>
-          <a:effectRef idx="1">
-            <a:schemeClr val="dk1"/>
-          </a:effectRef>
-          <a:fontRef idx="minor">
-            <a:schemeClr val="dk1"/>
-          </a:fontRef>
-        </p:style>
-        <p:txBody>
-          <a:bodyPr rtlCol="0" anchor="ctr"/>
-          <a:lstStyle/>
-          <a:p>
-            <a:pPr algn="ctr"/>
-            <a:r>
-              <a:rPr lang="de-DE" sz="700" dirty="0"/>
-              <a:t>Start</a:t>
-            </a:r>
-          </a:p>
-        </p:txBody>
-      </p:sp>
-      <p:sp>
-        <p:nvSpPr>
-          <p:cNvPr id="29" name="Ellipse 28"/>
-          <p:cNvSpPr/>
-          <p:nvPr/>
-        </p:nvSpPr>
-        <p:spPr>
-          <a:xfrm>
-            <a:off x="11203496" y="2265750"/>
-            <a:ext cx="725649" cy="324000"/>
-          </a:xfrm>
-          <a:prstGeom prst="ellipse">
-            <a:avLst/>
-          </a:prstGeom>
-          <a:noFill/>
-          <a:ln w="9525" cap="flat" cmpd="sng" algn="ctr">
-            <a:solidFill>
-              <a:schemeClr val="dk1"/>
-            </a:solidFill>
-            <a:prstDash val="solid"/>
-            <a:round/>
-            <a:headEnd type="none" w="med" len="med"/>
-            <a:tailEnd type="none" w="med" len="med"/>
-          </a:ln>
-        </p:spPr>
-        <p:style>
-          <a:lnRef idx="0">
-            <a:scrgbClr r="0" g="0" b="0"/>
-          </a:lnRef>
-          <a:fillRef idx="0">
-            <a:scrgbClr r="0" g="0" b="0"/>
-          </a:fillRef>
-          <a:effectRef idx="0">
-            <a:scrgbClr r="0" g="0" b="0"/>
-          </a:effectRef>
-          <a:fontRef idx="minor">
-            <a:schemeClr val="dk1"/>
-          </a:fontRef>
-        </p:style>
-        <p:txBody>
-          <a:bodyPr rtlCol="0" anchor="ctr"/>
-          <a:lstStyle/>
-          <a:p>
-            <a:pPr algn="ctr"/>
-            <a:r>
-              <a:rPr lang="de-DE" sz="700" dirty="0"/>
-              <a:t>Abbruch</a:t>
-            </a:r>
-          </a:p>
-        </p:txBody>
-      </p:sp>
-      <p:sp>
-        <p:nvSpPr>
           <p:cNvPr id="30" name="Ellipse 29"/>
           <p:cNvSpPr/>
           <p:nvPr/>
         </p:nvSpPr>
         <p:spPr>
           <a:xfrm>
-            <a:off x="8343547" y="96303"/>
+            <a:off x="925231" y="103115"/>
             <a:ext cx="3306660" cy="1949391"/>
           </a:xfrm>
           <a:prstGeom prst="ellipse">
@@ -3585,13 +3467,8 @@
             </a:r>
             <a:r>
               <a:rPr lang="de-DE" sz="1400" dirty="0"/>
-              <a:t>: </a:t>
-            </a:r>
-            <a:r>
-              <a:rPr lang="de-DE" sz="1400" dirty="0"/>
-              <a:t>Eingabewerte</a:t>
-            </a:r>
-            <a:endParaRPr lang="de-DE" sz="1400" dirty="0"/>
+              <a:t>: Eingabewerte</a:t>
+            </a:r>
           </a:p>
         </p:txBody>
       </p:sp>
@@ -3603,7 +3480,7 @@
         </p:nvSpPr>
         <p:spPr>
           <a:xfrm>
-            <a:off x="8762995" y="682484"/>
+            <a:off x="1489390" y="714441"/>
             <a:ext cx="1135310" cy="493174"/>
           </a:xfrm>
           <a:prstGeom prst="roundRect">
@@ -3644,7 +3521,7 @@
         </p:nvSpPr>
         <p:spPr>
           <a:xfrm>
-            <a:off x="10000372" y="688943"/>
+            <a:off x="2726767" y="720900"/>
             <a:ext cx="1307286" cy="493175"/>
           </a:xfrm>
           <a:prstGeom prst="roundRect">
@@ -3685,7 +3562,7 @@
         </p:nvSpPr>
         <p:spPr>
           <a:xfrm>
-            <a:off x="9365605" y="1277574"/>
+            <a:off x="2092000" y="1309531"/>
             <a:ext cx="1262544" cy="493174"/>
           </a:xfrm>
           <a:prstGeom prst="roundRect">
@@ -3768,11 +3645,7 @@
             </a:r>
             <a:r>
               <a:rPr lang="de-DE" sz="1400" dirty="0"/>
-              <a:t>: </a:t>
-            </a:r>
-            <a:r>
-              <a:rPr lang="de-DE" sz="1400" dirty="0"/>
-              <a:t>Messung </a:t>
+              <a:t>: Messung </a:t>
             </a:r>
             <a:r>
               <a:rPr lang="de-DE" sz="1400" dirty="0" err="1"/>
@@ -3929,98 +3802,6 @@
             <a:r>
               <a:rPr lang="de-DE" sz="1050" dirty="0"/>
               <a:t>Entmagnetisierung</a:t>
-            </a:r>
-          </a:p>
-        </p:txBody>
-      </p:sp>
-      <p:sp>
-        <p:nvSpPr>
-          <p:cNvPr id="38" name="Ellipse 37"/>
-          <p:cNvSpPr/>
-          <p:nvPr/>
-        </p:nvSpPr>
-        <p:spPr>
-          <a:xfrm>
-            <a:off x="211121" y="2262932"/>
-            <a:ext cx="659935" cy="342551"/>
-          </a:xfrm>
-          <a:prstGeom prst="ellipse">
-            <a:avLst/>
-          </a:prstGeom>
-        </p:spPr>
-        <p:style>
-          <a:lnRef idx="1">
-            <a:schemeClr val="dk1"/>
-          </a:lnRef>
-          <a:fillRef idx="2">
-            <a:schemeClr val="dk1"/>
-          </a:fillRef>
-          <a:effectRef idx="1">
-            <a:schemeClr val="dk1"/>
-          </a:effectRef>
-          <a:fontRef idx="minor">
-            <a:schemeClr val="dk1"/>
-          </a:fontRef>
-        </p:style>
-        <p:txBody>
-          <a:bodyPr rtlCol="0" anchor="ctr"/>
-          <a:lstStyle/>
-          <a:p>
-            <a:pPr algn="ctr"/>
-            <a:r>
-              <a:rPr lang="de-DE" sz="700" dirty="0"/>
-              <a:t>Start</a:t>
-            </a:r>
-          </a:p>
-        </p:txBody>
-      </p:sp>
-      <p:sp>
-        <p:nvSpPr>
-          <p:cNvPr id="39" name="Ellipse 38"/>
-          <p:cNvSpPr/>
-          <p:nvPr/>
-        </p:nvSpPr>
-        <p:spPr>
-          <a:xfrm>
-            <a:off x="5357767" y="2260841"/>
-            <a:ext cx="725649" cy="324000"/>
-          </a:xfrm>
-          <a:prstGeom prst="ellipse">
-            <a:avLst/>
-          </a:prstGeom>
-          <a:noFill/>
-          <a:ln w="9525" cap="flat" cmpd="sng" algn="ctr">
-            <a:solidFill>
-              <a:schemeClr val="dk1"/>
-            </a:solidFill>
-            <a:prstDash val="solid"/>
-            <a:round/>
-            <a:headEnd type="none" w="med" len="med"/>
-            <a:tailEnd type="none" w="med" len="med"/>
-          </a:ln>
-        </p:spPr>
-        <p:style>
-          <a:lnRef idx="0">
-            <a:scrgbClr r="0" g="0" b="0"/>
-          </a:lnRef>
-          <a:fillRef idx="0">
-            <a:scrgbClr r="0" g="0" b="0"/>
-          </a:fillRef>
-          <a:effectRef idx="0">
-            <a:scrgbClr r="0" g="0" b="0"/>
-          </a:effectRef>
-          <a:fontRef idx="minor">
-            <a:schemeClr val="dk1"/>
-          </a:fontRef>
-        </p:style>
-        <p:txBody>
-          <a:bodyPr rtlCol="0" anchor="ctr"/>
-          <a:lstStyle/>
-          <a:p>
-            <a:pPr algn="ctr"/>
-            <a:r>
-              <a:rPr lang="de-DE" sz="700" dirty="0"/>
-              <a:t>Abbruch</a:t>
             </a:r>
           </a:p>
         </p:txBody>
@@ -4246,118 +4027,6 @@
           </a:p>
         </p:txBody>
       </p:sp>
-      <p:cxnSp>
-        <p:nvCxnSpPr>
-          <p:cNvPr id="47" name="Gerade Verbindung mit Pfeil 46"/>
-          <p:cNvCxnSpPr>
-            <a:stCxn id="9" idx="6"/>
-            <a:endCxn id="16" idx="2"/>
-          </p:cNvCxnSpPr>
-          <p:nvPr/>
-        </p:nvCxnSpPr>
-        <p:spPr>
-          <a:xfrm flipV="1">
-            <a:off x="4299353" y="1071000"/>
-            <a:ext cx="154497" cy="3838"/>
-          </a:xfrm>
-          <a:prstGeom prst="straightConnector1">
-            <a:avLst/>
-          </a:prstGeom>
-          <a:ln>
-            <a:tailEnd type="triangle"/>
-          </a:ln>
-        </p:spPr>
-        <p:style>
-          <a:lnRef idx="1">
-            <a:schemeClr val="accent1"/>
-          </a:lnRef>
-          <a:fillRef idx="0">
-            <a:schemeClr val="accent1"/>
-          </a:fillRef>
-          <a:effectRef idx="0">
-            <a:schemeClr val="accent1"/>
-          </a:effectRef>
-          <a:fontRef idx="minor">
-            <a:schemeClr val="tx1"/>
-          </a:fontRef>
-        </p:style>
-      </p:cxnSp>
-      <p:cxnSp>
-        <p:nvCxnSpPr>
-          <p:cNvPr id="49" name="Gerade Verbindung mit Pfeil 48"/>
-          <p:cNvCxnSpPr>
-            <a:stCxn id="16" idx="6"/>
-            <a:endCxn id="30" idx="2"/>
-          </p:cNvCxnSpPr>
-          <p:nvPr/>
-        </p:nvCxnSpPr>
-        <p:spPr>
-          <a:xfrm flipV="1">
-            <a:off x="8212118" y="1070999"/>
-            <a:ext cx="131429" cy="1"/>
-          </a:xfrm>
-          <a:prstGeom prst="straightConnector1">
-            <a:avLst/>
-          </a:prstGeom>
-          <a:ln>
-            <a:tailEnd type="triangle"/>
-          </a:ln>
-        </p:spPr>
-        <p:style>
-          <a:lnRef idx="1">
-            <a:schemeClr val="accent1"/>
-          </a:lnRef>
-          <a:fillRef idx="0">
-            <a:schemeClr val="accent1"/>
-          </a:fillRef>
-          <a:effectRef idx="0">
-            <a:schemeClr val="accent1"/>
-          </a:effectRef>
-          <a:fontRef idx="minor">
-            <a:schemeClr val="tx1"/>
-          </a:fontRef>
-        </p:style>
-      </p:cxnSp>
-      <p:cxnSp>
-        <p:nvCxnSpPr>
-          <p:cNvPr id="52" name="Verbinder: gewinkelt 51"/>
-          <p:cNvCxnSpPr>
-            <a:stCxn id="30" idx="6"/>
-            <a:endCxn id="34" idx="2"/>
-          </p:cNvCxnSpPr>
-          <p:nvPr/>
-        </p:nvCxnSpPr>
-        <p:spPr>
-          <a:xfrm flipH="1">
-            <a:off x="293615" y="1070999"/>
-            <a:ext cx="11356592" cy="2232866"/>
-          </a:xfrm>
-          <a:prstGeom prst="bentConnector5">
-            <a:avLst>
-              <a:gd name="adj1" fmla="val -2013"/>
-              <a:gd name="adj2" fmla="val 46951"/>
-              <a:gd name="adj3" fmla="val 102013"/>
-            </a:avLst>
-          </a:prstGeom>
-          <a:ln>
-            <a:tailEnd type="triangle"/>
-          </a:ln>
-        </p:spPr>
-        <p:style>
-          <a:lnRef idx="1">
-            <a:schemeClr val="accent1"/>
-          </a:lnRef>
-          <a:fillRef idx="0">
-            <a:schemeClr val="accent1"/>
-          </a:fillRef>
-          <a:effectRef idx="0">
-            <a:schemeClr val="accent1"/>
-          </a:effectRef>
-          <a:fontRef idx="minor">
-            <a:schemeClr val="tx1"/>
-          </a:fontRef>
-        </p:style>
-      </p:cxnSp>
       <p:cxnSp>
         <p:nvCxnSpPr>
           <p:cNvPr id="56" name="Gerade Verbindung mit Pfeil 55"/>
@@ -4445,7 +4114,7 @@
         </p:nvCxnSpPr>
         <p:spPr>
           <a:xfrm>
-            <a:off x="2378972" y="1162221"/>
+            <a:off x="10105230" y="1221642"/>
             <a:ext cx="204832" cy="0"/>
           </a:xfrm>
           <a:prstGeom prst="straightConnector1">
@@ -4731,23 +4400,20 @@
       </p:cxnSp>
       <p:cxnSp>
         <p:nvCxnSpPr>
-          <p:cNvPr id="94" name="Verbinder: gekrümmt 93"/>
+          <p:cNvPr id="7" name="Gerade Verbindung mit Pfeil 6"/>
           <p:cNvCxnSpPr>
-            <a:stCxn id="9" idx="3"/>
-            <a:endCxn id="9" idx="2"/>
+            <a:stCxn id="30" idx="6"/>
+            <a:endCxn id="16" idx="2"/>
           </p:cNvCxnSpPr>
           <p:nvPr/>
         </p:nvCxnSpPr>
         <p:spPr>
-          <a:xfrm rot="5400000" flipH="1">
-            <a:off x="579060" y="1136135"/>
-            <a:ext cx="658442" cy="535848"/>
-          </a:xfrm>
-          <a:prstGeom prst="curvedConnector4">
-            <a:avLst>
-              <a:gd name="adj1" fmla="val -23903"/>
-              <a:gd name="adj2" fmla="val 142661"/>
-            </a:avLst>
+          <a:xfrm flipV="1">
+            <a:off x="4231891" y="1077810"/>
+            <a:ext cx="146981" cy="1"/>
+          </a:xfrm>
+          <a:prstGeom prst="straightConnector1">
+            <a:avLst/>
           </a:prstGeom>
           <a:ln>
             <a:tailEnd type="triangle"/>
@@ -4770,22 +4436,20 @@
       </p:cxnSp>
       <p:cxnSp>
         <p:nvCxnSpPr>
-          <p:cNvPr id="97" name="Verbinder: gekrümmt 96"/>
+          <p:cNvPr id="13" name="Gerade Verbindung mit Pfeil 12"/>
           <p:cNvCxnSpPr>
-            <a:stCxn id="16" idx="1"/>
-            <a:endCxn id="16" idx="0"/>
+            <a:stCxn id="16" idx="6"/>
+            <a:endCxn id="9" idx="2"/>
           </p:cNvCxnSpPr>
           <p:nvPr/>
         </p:nvCxnSpPr>
         <p:spPr>
-          <a:xfrm rot="5400000" flipH="1" flipV="1">
-            <a:off x="5532242" y="-388185"/>
-            <a:ext cx="272736" cy="1328748"/>
-          </a:xfrm>
-          <a:prstGeom prst="curvedConnector3">
-            <a:avLst>
-              <a:gd name="adj1" fmla="val 125375"/>
-            </a:avLst>
+          <a:xfrm>
+            <a:off x="8137140" y="1077810"/>
+            <a:ext cx="146981" cy="0"/>
+          </a:xfrm>
+          <a:prstGeom prst="straightConnector1">
+            <a:avLst/>
           </a:prstGeom>
           <a:ln>
             <a:tailEnd type="triangle"/>
@@ -4808,21 +4472,23 @@
       </p:cxnSp>
       <p:cxnSp>
         <p:nvCxnSpPr>
-          <p:cNvPr id="100" name="Verbinder: gekrümmt 99"/>
+          <p:cNvPr id="19" name="Verbinder: gewinkelt 18"/>
           <p:cNvCxnSpPr>
-            <a:stCxn id="30" idx="1"/>
-            <a:endCxn id="30" idx="0"/>
+            <a:stCxn id="9" idx="6"/>
+            <a:endCxn id="34" idx="2"/>
           </p:cNvCxnSpPr>
           <p:nvPr/>
         </p:nvCxnSpPr>
         <p:spPr>
-          <a:xfrm rot="5400000" flipH="1" flipV="1">
-            <a:off x="9269595" y="-345496"/>
-            <a:ext cx="285482" cy="1169081"/>
-          </a:xfrm>
-          <a:prstGeom prst="curvedConnector3">
+          <a:xfrm flipH="1">
+            <a:off x="293615" y="1077810"/>
+            <a:ext cx="11649502" cy="2226055"/>
+          </a:xfrm>
+          <a:prstGeom prst="bentConnector5">
             <a:avLst>
-              <a:gd name="adj1" fmla="val 118365"/>
+              <a:gd name="adj1" fmla="val -1962"/>
+              <a:gd name="adj2" fmla="val 45964"/>
+              <a:gd name="adj3" fmla="val 101962"/>
             </a:avLst>
           </a:prstGeom>
           <a:ln>
@@ -4844,311 +4510,6 @@
           </a:fontRef>
         </p:style>
       </p:cxnSp>
-      <p:cxnSp>
-        <p:nvCxnSpPr>
-          <p:cNvPr id="103" name="Verbinder: gekrümmt 102"/>
-          <p:cNvCxnSpPr>
-            <a:stCxn id="34" idx="4"/>
-            <a:endCxn id="34" idx="5"/>
-          </p:cNvCxnSpPr>
-          <p:nvPr/>
-        </p:nvCxnSpPr>
-        <p:spPr>
-          <a:xfrm rot="5400000" flipH="1" flipV="1">
-            <a:off x="4042715" y="3230256"/>
-            <a:ext cx="325358" cy="2043544"/>
-          </a:xfrm>
-          <a:prstGeom prst="curvedConnector3">
-            <a:avLst>
-              <a:gd name="adj1" fmla="val -8380"/>
-            </a:avLst>
-          </a:prstGeom>
-          <a:ln>
-            <a:tailEnd type="triangle"/>
-          </a:ln>
-        </p:spPr>
-        <p:style>
-          <a:lnRef idx="1">
-            <a:schemeClr val="accent1"/>
-          </a:lnRef>
-          <a:fillRef idx="0">
-            <a:schemeClr val="accent1"/>
-          </a:fillRef>
-          <a:effectRef idx="0">
-            <a:schemeClr val="accent1"/>
-          </a:effectRef>
-          <a:fontRef idx="minor">
-            <a:schemeClr val="tx1"/>
-          </a:fontRef>
-        </p:style>
-      </p:cxnSp>
-      <p:cxnSp>
-        <p:nvCxnSpPr>
-          <p:cNvPr id="106" name="Verbinder: gekrümmt 105"/>
-          <p:cNvCxnSpPr>
-            <a:stCxn id="24" idx="4"/>
-            <a:endCxn id="24" idx="5"/>
-          </p:cNvCxnSpPr>
-          <p:nvPr/>
-        </p:nvCxnSpPr>
-        <p:spPr>
-          <a:xfrm rot="5400000" flipH="1" flipV="1">
-            <a:off x="9922634" y="3243603"/>
-            <a:ext cx="325358" cy="2016850"/>
-          </a:xfrm>
-          <a:prstGeom prst="curvedConnector3">
-            <a:avLst>
-              <a:gd name="adj1" fmla="val -23850"/>
-            </a:avLst>
-          </a:prstGeom>
-          <a:ln>
-            <a:tailEnd type="triangle"/>
-          </a:ln>
-        </p:spPr>
-        <p:style>
-          <a:lnRef idx="1">
-            <a:schemeClr val="accent1"/>
-          </a:lnRef>
-          <a:fillRef idx="0">
-            <a:schemeClr val="accent1"/>
-          </a:fillRef>
-          <a:effectRef idx="0">
-            <a:schemeClr val="accent1"/>
-          </a:effectRef>
-          <a:fontRef idx="minor">
-            <a:schemeClr val="tx1"/>
-          </a:fontRef>
-        </p:style>
-      </p:cxnSp>
-      <p:cxnSp>
-        <p:nvCxnSpPr>
-          <p:cNvPr id="109" name="Verbinder: gekrümmt 108"/>
-          <p:cNvCxnSpPr>
-            <a:stCxn id="44" idx="4"/>
-            <a:endCxn id="44" idx="5"/>
-          </p:cNvCxnSpPr>
-          <p:nvPr/>
-        </p:nvCxnSpPr>
-        <p:spPr>
-          <a:xfrm rot="5400000" flipH="1" flipV="1">
-            <a:off x="3171865" y="5837119"/>
-            <a:ext cx="272736" cy="1293650"/>
-          </a:xfrm>
-          <a:prstGeom prst="curvedConnector3">
-            <a:avLst>
-              <a:gd name="adj1" fmla="val -56134"/>
-            </a:avLst>
-          </a:prstGeom>
-          <a:ln>
-            <a:tailEnd type="triangle"/>
-          </a:ln>
-        </p:spPr>
-        <p:style>
-          <a:lnRef idx="1">
-            <a:schemeClr val="accent1"/>
-          </a:lnRef>
-          <a:fillRef idx="0">
-            <a:schemeClr val="accent1"/>
-          </a:fillRef>
-          <a:effectRef idx="0">
-            <a:schemeClr val="accent1"/>
-          </a:effectRef>
-          <a:fontRef idx="minor">
-            <a:schemeClr val="tx1"/>
-          </a:fontRef>
-        </p:style>
-      </p:cxnSp>
-      <p:sp>
-        <p:nvSpPr>
-          <p:cNvPr id="111" name="Textfeld 110"/>
-          <p:cNvSpPr txBox="1"/>
-          <p:nvPr/>
-        </p:nvSpPr>
-        <p:spPr>
-          <a:xfrm>
-            <a:off x="3675763" y="6596390"/>
-            <a:ext cx="778087" cy="261610"/>
-          </a:xfrm>
-          <a:prstGeom prst="rect">
-            <a:avLst/>
-          </a:prstGeom>
-          <a:noFill/>
-        </p:spPr>
-        <p:txBody>
-          <a:bodyPr wrap="square" rtlCol="0">
-            <a:spAutoFit/>
-          </a:bodyPr>
-          <a:lstStyle/>
-          <a:p>
-            <a:r>
-              <a:rPr lang="de-DE" sz="1050" dirty="0" err="1"/>
-              <a:t>Error_Out</a:t>
-            </a:r>
-            <a:endParaRPr lang="de-DE" sz="1050" dirty="0"/>
-          </a:p>
-        </p:txBody>
-      </p:sp>
-      <p:sp>
-        <p:nvSpPr>
-          <p:cNvPr id="112" name="Textfeld 111"/>
-          <p:cNvSpPr txBox="1"/>
-          <p:nvPr/>
-        </p:nvSpPr>
-        <p:spPr>
-          <a:xfrm>
-            <a:off x="4710418" y="4301769"/>
-            <a:ext cx="778087" cy="261610"/>
-          </a:xfrm>
-          <a:prstGeom prst="rect">
-            <a:avLst/>
-          </a:prstGeom>
-          <a:noFill/>
-        </p:spPr>
-        <p:txBody>
-          <a:bodyPr wrap="square" rtlCol="0">
-            <a:spAutoFit/>
-          </a:bodyPr>
-          <a:lstStyle/>
-          <a:p>
-            <a:r>
-              <a:rPr lang="de-DE" sz="1050" dirty="0" err="1"/>
-              <a:t>Error_Out</a:t>
-            </a:r>
-            <a:endParaRPr lang="de-DE" sz="1050" dirty="0"/>
-          </a:p>
-        </p:txBody>
-      </p:sp>
-      <p:sp>
-        <p:nvSpPr>
-          <p:cNvPr id="113" name="Textfeld 112"/>
-          <p:cNvSpPr txBox="1"/>
-          <p:nvPr/>
-        </p:nvSpPr>
-        <p:spPr>
-          <a:xfrm>
-            <a:off x="8207218" y="7549"/>
-            <a:ext cx="778087" cy="492443"/>
-          </a:xfrm>
-          <a:prstGeom prst="rect">
-            <a:avLst/>
-          </a:prstGeom>
-          <a:noFill/>
-        </p:spPr>
-        <p:txBody>
-          <a:bodyPr wrap="square" rtlCol="0">
-            <a:spAutoFit/>
-          </a:bodyPr>
-          <a:lstStyle/>
-          <a:p>
-            <a:r>
-              <a:rPr lang="de-DE" sz="1050" dirty="0" err="1"/>
-              <a:t>Error_Out</a:t>
-            </a:r>
-            <a:endParaRPr lang="de-DE" sz="1050" dirty="0"/>
-          </a:p>
-          <a:p>
-            <a:r>
-              <a:rPr lang="de-DE" sz="1050" dirty="0"/>
-              <a:t>(</a:t>
-            </a:r>
-            <a:r>
-              <a:rPr lang="de-DE" sz="500" dirty="0"/>
-              <a:t>zu wenig Argumente, falsche Werte</a:t>
-            </a:r>
-            <a:endParaRPr lang="de-DE" sz="1050" dirty="0"/>
-          </a:p>
-        </p:txBody>
-      </p:sp>
-      <p:sp>
-        <p:nvSpPr>
-          <p:cNvPr id="114" name="Textfeld 113"/>
-          <p:cNvSpPr txBox="1"/>
-          <p:nvPr/>
-        </p:nvSpPr>
-        <p:spPr>
-          <a:xfrm>
-            <a:off x="4483763" y="34180"/>
-            <a:ext cx="778087" cy="261610"/>
-          </a:xfrm>
-          <a:prstGeom prst="rect">
-            <a:avLst/>
-          </a:prstGeom>
-          <a:noFill/>
-        </p:spPr>
-        <p:txBody>
-          <a:bodyPr wrap="square" rtlCol="0">
-            <a:spAutoFit/>
-          </a:bodyPr>
-          <a:lstStyle/>
-          <a:p>
-            <a:r>
-              <a:rPr lang="de-DE" sz="1050" dirty="0" err="1"/>
-              <a:t>Error_Out</a:t>
-            </a:r>
-            <a:endParaRPr lang="de-DE" sz="1050" dirty="0"/>
-          </a:p>
-        </p:txBody>
-      </p:sp>
-      <p:sp>
-        <p:nvSpPr>
-          <p:cNvPr id="115" name="Textfeld 114"/>
-          <p:cNvSpPr txBox="1"/>
-          <p:nvPr/>
-        </p:nvSpPr>
-        <p:spPr>
-          <a:xfrm>
-            <a:off x="482012" y="1797343"/>
-            <a:ext cx="778087" cy="261610"/>
-          </a:xfrm>
-          <a:prstGeom prst="rect">
-            <a:avLst/>
-          </a:prstGeom>
-          <a:noFill/>
-        </p:spPr>
-        <p:txBody>
-          <a:bodyPr wrap="square" rtlCol="0">
-            <a:spAutoFit/>
-          </a:bodyPr>
-          <a:lstStyle/>
-          <a:p>
-            <a:r>
-              <a:rPr lang="de-DE" sz="1050" dirty="0" err="1"/>
-              <a:t>Error_Out</a:t>
-            </a:r>
-            <a:endParaRPr lang="de-DE" sz="1050" dirty="0"/>
-          </a:p>
-        </p:txBody>
-      </p:sp>
-      <p:sp>
-        <p:nvSpPr>
-          <p:cNvPr id="116" name="Textfeld 115"/>
-          <p:cNvSpPr txBox="1"/>
-          <p:nvPr/>
-        </p:nvSpPr>
-        <p:spPr>
-          <a:xfrm>
-            <a:off x="10788233" y="4234889"/>
-            <a:ext cx="778087" cy="261610"/>
-          </a:xfrm>
-          <a:prstGeom prst="rect">
-            <a:avLst/>
-          </a:prstGeom>
-          <a:noFill/>
-        </p:spPr>
-        <p:txBody>
-          <a:bodyPr wrap="square" rtlCol="0">
-            <a:spAutoFit/>
-          </a:bodyPr>
-          <a:lstStyle/>
-          <a:p>
-            <a:r>
-              <a:rPr lang="de-DE" sz="1050" dirty="0" err="1"/>
-              <a:t>Error_Out</a:t>
-            </a:r>
-            <a:endParaRPr lang="de-DE" sz="1050" dirty="0"/>
-          </a:p>
-        </p:txBody>
-      </p:sp>
     </p:spTree>
     <p:extLst>
       <p:ext uri="{BB962C8B-B14F-4D97-AF65-F5344CB8AC3E}">
